--- a/course/spring_lecture9.pptx
+++ b/course/spring_lecture9.pptx
@@ -384,7 +384,7 @@
           <a:p>
             <a:fld id="{55819C6C-1328-47A7-9531-77311B1A3D98}" type="datetimeFigureOut">
               <a:rPr lang="en-GB" smtClean="0"/>
-              <a:t>26/07/2016</a:t>
+              <a:t>27/07/2016</a:t>
             </a:fld>
             <a:endParaRPr lang="en-GB"/>
           </a:p>
@@ -592,7 +592,7 @@
           <a:p>
             <a:fld id="{55819C6C-1328-47A7-9531-77311B1A3D98}" type="datetimeFigureOut">
               <a:rPr lang="en-GB" smtClean="0"/>
-              <a:t>26/07/2016</a:t>
+              <a:t>27/07/2016</a:t>
             </a:fld>
             <a:endParaRPr lang="en-GB"/>
           </a:p>
@@ -848,7 +848,7 @@
           <a:p>
             <a:fld id="{55819C6C-1328-47A7-9531-77311B1A3D98}" type="datetimeFigureOut">
               <a:rPr lang="en-GB" smtClean="0"/>
-              <a:t>26/07/2016</a:t>
+              <a:t>27/07/2016</a:t>
             </a:fld>
             <a:endParaRPr lang="en-GB"/>
           </a:p>
@@ -1022,7 +1022,7 @@
           <a:p>
             <a:fld id="{55819C6C-1328-47A7-9531-77311B1A3D98}" type="datetimeFigureOut">
               <a:rPr lang="en-GB" smtClean="0"/>
-              <a:t>26/07/2016</a:t>
+              <a:t>27/07/2016</a:t>
             </a:fld>
             <a:endParaRPr lang="en-GB"/>
           </a:p>
@@ -1365,7 +1365,7 @@
           <a:p>
             <a:fld id="{55819C6C-1328-47A7-9531-77311B1A3D98}" type="datetimeFigureOut">
               <a:rPr lang="en-GB" smtClean="0"/>
-              <a:t>26/07/2016</a:t>
+              <a:t>27/07/2016</a:t>
             </a:fld>
             <a:endParaRPr lang="en-GB"/>
           </a:p>
@@ -1640,7 +1640,7 @@
           <a:p>
             <a:fld id="{55819C6C-1328-47A7-9531-77311B1A3D98}" type="datetimeFigureOut">
               <a:rPr lang="en-GB" smtClean="0"/>
-              <a:t>26/07/2016</a:t>
+              <a:t>27/07/2016</a:t>
             </a:fld>
             <a:endParaRPr lang="en-GB"/>
           </a:p>
@@ -2019,7 +2019,7 @@
           <a:p>
             <a:fld id="{55819C6C-1328-47A7-9531-77311B1A3D98}" type="datetimeFigureOut">
               <a:rPr lang="en-GB" smtClean="0"/>
-              <a:t>26/07/2016</a:t>
+              <a:t>27/07/2016</a:t>
             </a:fld>
             <a:endParaRPr lang="en-GB"/>
           </a:p>
@@ -2137,7 +2137,7 @@
           <a:p>
             <a:fld id="{55819C6C-1328-47A7-9531-77311B1A3D98}" type="datetimeFigureOut">
               <a:rPr lang="en-GB" smtClean="0"/>
-              <a:t>26/07/2016</a:t>
+              <a:t>27/07/2016</a:t>
             </a:fld>
             <a:endParaRPr lang="en-GB"/>
           </a:p>
@@ -2308,7 +2308,7 @@
           <a:p>
             <a:fld id="{55819C6C-1328-47A7-9531-77311B1A3D98}" type="datetimeFigureOut">
               <a:rPr lang="en-GB" smtClean="0"/>
-              <a:t>26/07/2016</a:t>
+              <a:t>27/07/2016</a:t>
             </a:fld>
             <a:endParaRPr lang="en-GB"/>
           </a:p>
@@ -2662,7 +2662,7 @@
           <a:p>
             <a:fld id="{55819C6C-1328-47A7-9531-77311B1A3D98}" type="datetimeFigureOut">
               <a:rPr lang="en-GB" smtClean="0"/>
-              <a:t>26/07/2016</a:t>
+              <a:t>27/07/2016</a:t>
             </a:fld>
             <a:endParaRPr lang="en-GB"/>
           </a:p>
@@ -3044,7 +3044,7 @@
           <a:p>
             <a:fld id="{55819C6C-1328-47A7-9531-77311B1A3D98}" type="datetimeFigureOut">
               <a:rPr lang="en-GB" smtClean="0"/>
-              <a:t>26/07/2016</a:t>
+              <a:t>27/07/2016</a:t>
             </a:fld>
             <a:endParaRPr lang="en-GB"/>
           </a:p>
@@ -3331,7 +3331,7 @@
           <a:p>
             <a:fld id="{55819C6C-1328-47A7-9531-77311B1A3D98}" type="datetimeFigureOut">
               <a:rPr lang="en-GB" smtClean="0"/>
-              <a:t>26/07/2016</a:t>
+              <a:t>27/07/2016</a:t>
             </a:fld>
             <a:endParaRPr lang="en-GB"/>
           </a:p>
@@ -3891,7 +3891,7 @@
         </p:nvSpPr>
         <p:spPr>
           <a:xfrm>
-            <a:off x="4228808" y="4305738"/>
+            <a:off x="4262675" y="4271871"/>
             <a:ext cx="3976410" cy="369332"/>
           </a:xfrm>
           <a:prstGeom prst="rect">

--- a/course/spring_lecture9.pptx
+++ b/course/spring_lecture9.pptx
@@ -384,7 +384,7 @@
           <a:p>
             <a:fld id="{55819C6C-1328-47A7-9531-77311B1A3D98}" type="datetimeFigureOut">
               <a:rPr lang="en-GB" smtClean="0"/>
-              <a:t>27/07/2016</a:t>
+              <a:t>28/07/2016</a:t>
             </a:fld>
             <a:endParaRPr lang="en-GB"/>
           </a:p>
@@ -592,7 +592,7 @@
           <a:p>
             <a:fld id="{55819C6C-1328-47A7-9531-77311B1A3D98}" type="datetimeFigureOut">
               <a:rPr lang="en-GB" smtClean="0"/>
-              <a:t>27/07/2016</a:t>
+              <a:t>28/07/2016</a:t>
             </a:fld>
             <a:endParaRPr lang="en-GB"/>
           </a:p>
@@ -848,7 +848,7 @@
           <a:p>
             <a:fld id="{55819C6C-1328-47A7-9531-77311B1A3D98}" type="datetimeFigureOut">
               <a:rPr lang="en-GB" smtClean="0"/>
-              <a:t>27/07/2016</a:t>
+              <a:t>28/07/2016</a:t>
             </a:fld>
             <a:endParaRPr lang="en-GB"/>
           </a:p>
@@ -1022,7 +1022,7 @@
           <a:p>
             <a:fld id="{55819C6C-1328-47A7-9531-77311B1A3D98}" type="datetimeFigureOut">
               <a:rPr lang="en-GB" smtClean="0"/>
-              <a:t>27/07/2016</a:t>
+              <a:t>28/07/2016</a:t>
             </a:fld>
             <a:endParaRPr lang="en-GB"/>
           </a:p>
@@ -1365,7 +1365,7 @@
           <a:p>
             <a:fld id="{55819C6C-1328-47A7-9531-77311B1A3D98}" type="datetimeFigureOut">
               <a:rPr lang="en-GB" smtClean="0"/>
-              <a:t>27/07/2016</a:t>
+              <a:t>28/07/2016</a:t>
             </a:fld>
             <a:endParaRPr lang="en-GB"/>
           </a:p>
@@ -1640,7 +1640,7 @@
           <a:p>
             <a:fld id="{55819C6C-1328-47A7-9531-77311B1A3D98}" type="datetimeFigureOut">
               <a:rPr lang="en-GB" smtClean="0"/>
-              <a:t>27/07/2016</a:t>
+              <a:t>28/07/2016</a:t>
             </a:fld>
             <a:endParaRPr lang="en-GB"/>
           </a:p>
@@ -2019,7 +2019,7 @@
           <a:p>
             <a:fld id="{55819C6C-1328-47A7-9531-77311B1A3D98}" type="datetimeFigureOut">
               <a:rPr lang="en-GB" smtClean="0"/>
-              <a:t>27/07/2016</a:t>
+              <a:t>28/07/2016</a:t>
             </a:fld>
             <a:endParaRPr lang="en-GB"/>
           </a:p>
@@ -2137,7 +2137,7 @@
           <a:p>
             <a:fld id="{55819C6C-1328-47A7-9531-77311B1A3D98}" type="datetimeFigureOut">
               <a:rPr lang="en-GB" smtClean="0"/>
-              <a:t>27/07/2016</a:t>
+              <a:t>28/07/2016</a:t>
             </a:fld>
             <a:endParaRPr lang="en-GB"/>
           </a:p>
@@ -2308,7 +2308,7 @@
           <a:p>
             <a:fld id="{55819C6C-1328-47A7-9531-77311B1A3D98}" type="datetimeFigureOut">
               <a:rPr lang="en-GB" smtClean="0"/>
-              <a:t>27/07/2016</a:t>
+              <a:t>28/07/2016</a:t>
             </a:fld>
             <a:endParaRPr lang="en-GB"/>
           </a:p>
@@ -2662,7 +2662,7 @@
           <a:p>
             <a:fld id="{55819C6C-1328-47A7-9531-77311B1A3D98}" type="datetimeFigureOut">
               <a:rPr lang="en-GB" smtClean="0"/>
-              <a:t>27/07/2016</a:t>
+              <a:t>28/07/2016</a:t>
             </a:fld>
             <a:endParaRPr lang="en-GB"/>
           </a:p>
@@ -3044,7 +3044,7 @@
           <a:p>
             <a:fld id="{55819C6C-1328-47A7-9531-77311B1A3D98}" type="datetimeFigureOut">
               <a:rPr lang="en-GB" smtClean="0"/>
-              <a:t>27/07/2016</a:t>
+              <a:t>28/07/2016</a:t>
             </a:fld>
             <a:endParaRPr lang="en-GB"/>
           </a:p>
@@ -3331,7 +3331,7 @@
           <a:p>
             <a:fld id="{55819C6C-1328-47A7-9531-77311B1A3D98}" type="datetimeFigureOut">
               <a:rPr lang="en-GB" smtClean="0"/>
-              <a:t>27/07/2016</a:t>
+              <a:t>28/07/2016</a:t>
             </a:fld>
             <a:endParaRPr lang="en-GB"/>
           </a:p>
